--- a/Presentation_Projet.pptx
+++ b/Presentation_Projet.pptx
@@ -13,11 +13,13 @@
     <p:sldId id="261" r:id="rId7"/>
     <p:sldId id="262" r:id="rId8"/>
     <p:sldId id="263" r:id="rId9"/>
-    <p:sldId id="264" r:id="rId10"/>
-    <p:sldId id="265" r:id="rId11"/>
-    <p:sldId id="266" r:id="rId12"/>
-    <p:sldId id="268" r:id="rId13"/>
-    <p:sldId id="269" r:id="rId14"/>
+    <p:sldId id="270" r:id="rId10"/>
+    <p:sldId id="271" r:id="rId11"/>
+    <p:sldId id="264" r:id="rId12"/>
+    <p:sldId id="265" r:id="rId13"/>
+    <p:sldId id="266" r:id="rId14"/>
+    <p:sldId id="268" r:id="rId15"/>
+    <p:sldId id="269" r:id="rId16"/>
   </p:sldIdLst>
   <p:sldSz cx="12192000" cy="6858000"/>
   <p:notesSz cx="6858000" cy="9144000"/>
@@ -271,7 +273,7 @@
           <a:p>
             <a:fld id="{10CEB8A6-3CEB-4EA2-A290-C18E56D5C034}" type="datetimeFigureOut">
               <a:rPr lang="fr-FR" smtClean="0"/>
-              <a:t>26/01/2020</a:t>
+              <a:t>28/01/2020</a:t>
             </a:fld>
             <a:endParaRPr lang="fr-FR"/>
           </a:p>
@@ -469,7 +471,7 @@
           <a:p>
             <a:fld id="{10CEB8A6-3CEB-4EA2-A290-C18E56D5C034}" type="datetimeFigureOut">
               <a:rPr lang="fr-FR" smtClean="0"/>
-              <a:t>26/01/2020</a:t>
+              <a:t>28/01/2020</a:t>
             </a:fld>
             <a:endParaRPr lang="fr-FR"/>
           </a:p>
@@ -677,7 +679,7 @@
           <a:p>
             <a:fld id="{10CEB8A6-3CEB-4EA2-A290-C18E56D5C034}" type="datetimeFigureOut">
               <a:rPr lang="fr-FR" smtClean="0"/>
-              <a:t>26/01/2020</a:t>
+              <a:t>28/01/2020</a:t>
             </a:fld>
             <a:endParaRPr lang="fr-FR"/>
           </a:p>
@@ -875,7 +877,7 @@
           <a:p>
             <a:fld id="{10CEB8A6-3CEB-4EA2-A290-C18E56D5C034}" type="datetimeFigureOut">
               <a:rPr lang="fr-FR" smtClean="0"/>
-              <a:t>26/01/2020</a:t>
+              <a:t>28/01/2020</a:t>
             </a:fld>
             <a:endParaRPr lang="fr-FR"/>
           </a:p>
@@ -1150,7 +1152,7 @@
           <a:p>
             <a:fld id="{10CEB8A6-3CEB-4EA2-A290-C18E56D5C034}" type="datetimeFigureOut">
               <a:rPr lang="fr-FR" smtClean="0"/>
-              <a:t>26/01/2020</a:t>
+              <a:t>28/01/2020</a:t>
             </a:fld>
             <a:endParaRPr lang="fr-FR"/>
           </a:p>
@@ -1415,7 +1417,7 @@
           <a:p>
             <a:fld id="{10CEB8A6-3CEB-4EA2-A290-C18E56D5C034}" type="datetimeFigureOut">
               <a:rPr lang="fr-FR" smtClean="0"/>
-              <a:t>26/01/2020</a:t>
+              <a:t>28/01/2020</a:t>
             </a:fld>
             <a:endParaRPr lang="fr-FR"/>
           </a:p>
@@ -1827,7 +1829,7 @@
           <a:p>
             <a:fld id="{10CEB8A6-3CEB-4EA2-A290-C18E56D5C034}" type="datetimeFigureOut">
               <a:rPr lang="fr-FR" smtClean="0"/>
-              <a:t>26/01/2020</a:t>
+              <a:t>28/01/2020</a:t>
             </a:fld>
             <a:endParaRPr lang="fr-FR"/>
           </a:p>
@@ -1968,7 +1970,7 @@
           <a:p>
             <a:fld id="{10CEB8A6-3CEB-4EA2-A290-C18E56D5C034}" type="datetimeFigureOut">
               <a:rPr lang="fr-FR" smtClean="0"/>
-              <a:t>26/01/2020</a:t>
+              <a:t>28/01/2020</a:t>
             </a:fld>
             <a:endParaRPr lang="fr-FR"/>
           </a:p>
@@ -2081,7 +2083,7 @@
           <a:p>
             <a:fld id="{10CEB8A6-3CEB-4EA2-A290-C18E56D5C034}" type="datetimeFigureOut">
               <a:rPr lang="fr-FR" smtClean="0"/>
-              <a:t>26/01/2020</a:t>
+              <a:t>28/01/2020</a:t>
             </a:fld>
             <a:endParaRPr lang="fr-FR"/>
           </a:p>
@@ -2392,7 +2394,7 @@
           <a:p>
             <a:fld id="{10CEB8A6-3CEB-4EA2-A290-C18E56D5C034}" type="datetimeFigureOut">
               <a:rPr lang="fr-FR" smtClean="0"/>
-              <a:t>26/01/2020</a:t>
+              <a:t>28/01/2020</a:t>
             </a:fld>
             <a:endParaRPr lang="fr-FR"/>
           </a:p>
@@ -2680,7 +2682,7 @@
           <a:p>
             <a:fld id="{10CEB8A6-3CEB-4EA2-A290-C18E56D5C034}" type="datetimeFigureOut">
               <a:rPr lang="fr-FR" smtClean="0"/>
-              <a:t>26/01/2020</a:t>
+              <a:t>28/01/2020</a:t>
             </a:fld>
             <a:endParaRPr lang="fr-FR"/>
           </a:p>
@@ -2921,7 +2923,7 @@
           <a:p>
             <a:fld id="{10CEB8A6-3CEB-4EA2-A290-C18E56D5C034}" type="datetimeFigureOut">
               <a:rPr lang="fr-FR" smtClean="0"/>
-              <a:t>26/01/2020</a:t>
+              <a:t>28/01/2020</a:t>
             </a:fld>
             <a:endParaRPr lang="fr-FR"/>
           </a:p>
@@ -3442,7 +3444,7 @@
           <p:cNvPr id="2" name="Titre 1">
             <a:extLst>
               <a:ext uri="{FF2B5EF4-FFF2-40B4-BE49-F238E27FC236}">
-                <a16:creationId xmlns:a16="http://schemas.microsoft.com/office/drawing/2014/main" id="{23DE1E6E-424A-4D1B-96EC-6A5D08CE69ED}"/>
+                <a16:creationId xmlns:a16="http://schemas.microsoft.com/office/drawing/2014/main" id="{9ECD15B9-587F-4BC7-AC1D-AE8CBC5DB8D1}"/>
               </a:ext>
             </a:extLst>
           </p:cNvPr>
@@ -3461,7 +3463,7 @@
             <a:pPr algn="ctr"/>
             <a:r>
               <a:rPr lang="fr-FR" dirty="0"/>
-              <a:t>Choix du modèle</a:t>
+              <a:t>Suppression de variables (2)</a:t>
             </a:r>
           </a:p>
         </p:txBody>
@@ -3471,7 +3473,7 @@
           <p:cNvPr id="3" name="Espace réservé du contenu 2">
             <a:extLst>
               <a:ext uri="{FF2B5EF4-FFF2-40B4-BE49-F238E27FC236}">
-                <a16:creationId xmlns:a16="http://schemas.microsoft.com/office/drawing/2014/main" id="{CCFE7217-8B70-4E25-B5EA-A0B34591DDD5}"/>
+                <a16:creationId xmlns:a16="http://schemas.microsoft.com/office/drawing/2014/main" id="{678907A3-5116-4305-B830-F14C7E35DD75}"/>
               </a:ext>
             </a:extLst>
           </p:cNvPr>
@@ -3489,77 +3491,64 @@
           <a:p>
             <a:r>
               <a:rPr lang="fr-FR" dirty="0"/>
-              <a:t>Malgré que les scores des algorithmes </a:t>
+              <a:t>Comme on peut le voir, la corrélation de certaines variables avec la </a:t>
             </a:r>
             <a:r>
               <a:rPr lang="fr-FR" dirty="0" err="1"/>
-              <a:t>random</a:t>
-            </a:r>
-            <a:r>
-              <a:rPr lang="fr-FR" dirty="0"/>
-              <a:t> </a:t>
+              <a:t>target</a:t>
+            </a:r>
+            <a:r>
+              <a:rPr lang="fr-FR" dirty="0"/>
+              <a:t> est presque nul.</a:t>
+            </a:r>
+          </a:p>
+          <a:p>
+            <a:r>
+              <a:rPr lang="fr-FR" dirty="0"/>
+              <a:t>J’ai donc décidé de ne pas prendre en compte dans le modèle de prédiction ces variables.</a:t>
+            </a:r>
+          </a:p>
+          <a:p>
+            <a:r>
+              <a:rPr lang="fr-FR" dirty="0"/>
+              <a:t>Les variables à supprimer : </a:t>
             </a:r>
             <a:r>
               <a:rPr lang="fr-FR" dirty="0" err="1"/>
-              <a:t>forest</a:t>
-            </a:r>
-            <a:r>
-              <a:rPr lang="fr-FR" dirty="0"/>
-              <a:t> et </a:t>
+              <a:t>Subject</a:t>
+            </a:r>
+            <a:r>
+              <a:rPr lang="fr-FR" dirty="0"/>
+              <a:t>, SKIN,  </a:t>
             </a:r>
             <a:r>
               <a:rPr lang="fr-FR" dirty="0" err="1"/>
-              <a:t>decision</a:t>
-            </a:r>
-            <a:r>
-              <a:rPr lang="fr-FR" dirty="0"/>
-              <a:t> </a:t>
+              <a:t>ECG_chest</a:t>
+            </a:r>
+            <a:r>
+              <a:rPr lang="fr-FR" dirty="0"/>
+              <a:t>, </a:t>
             </a:r>
             <a:r>
               <a:rPr lang="fr-FR" dirty="0" err="1"/>
-              <a:t>tree</a:t>
-            </a:r>
-            <a:r>
-              <a:rPr lang="fr-FR" dirty="0"/>
-              <a:t> soient sensiblement plus élevés que ceux du </a:t>
+              <a:t>BVP_wrist</a:t>
+            </a:r>
+            <a:r>
+              <a:rPr lang="fr-FR" dirty="0"/>
+              <a:t>, </a:t>
             </a:r>
             <a:r>
               <a:rPr lang="fr-FR" dirty="0" err="1"/>
-              <a:t>XGBoost</a:t>
-            </a:r>
-            <a:r>
-              <a:rPr lang="fr-FR" dirty="0"/>
-              <a:t>…</a:t>
-            </a:r>
-          </a:p>
-          <a:p>
-            <a:r>
-              <a:rPr lang="fr-FR" dirty="0"/>
-              <a:t>J’ai décidé de garder </a:t>
-            </a:r>
-            <a:r>
-              <a:rPr lang="fr-FR" dirty="0" err="1"/>
-              <a:t>XGBoost</a:t>
-            </a:r>
-            <a:r>
-              <a:rPr lang="fr-FR" dirty="0"/>
-              <a:t> car je pense qu’il y a moins d’</a:t>
-            </a:r>
-            <a:r>
-              <a:rPr lang="fr-FR" dirty="0" err="1"/>
-              <a:t>overfitting</a:t>
-            </a:r>
-            <a:r>
-              <a:rPr lang="fr-FR" dirty="0"/>
-              <a:t> que les autres algorithmes qui prédisent à 95%/97%.</a:t>
-            </a:r>
+              <a:t>Resp-chest</a:t>
+            </a:r>
+            <a:endParaRPr lang="fr-FR" dirty="0"/>
           </a:p>
         </p:txBody>
       </p:sp>
     </p:spTree>
     <p:extLst>
       <p:ext uri="{BB962C8B-B14F-4D97-AF65-F5344CB8AC3E}">
-        <p14:creationId xmlns:p14="http://schemas.microsoft.com/office/powerpoint/2010/main" val="3981985714"/>
+        <p14:creationId xmlns:p14="http://schemas.microsoft.com/office/powerpoint/2010/main" val="1619641053"/>
       </p:ext>
     </p:extLst>
   </p:cSld>
@@ -3591,6 +3580,252 @@
           <p:cNvPr id="2" name="Titre 1">
             <a:extLst>
               <a:ext uri="{FF2B5EF4-FFF2-40B4-BE49-F238E27FC236}">
+                <a16:creationId xmlns:a16="http://schemas.microsoft.com/office/drawing/2014/main" id="{E072BC46-FDC1-4FF7-9FF1-477D038570EE}"/>
+              </a:ext>
+            </a:extLst>
+          </p:cNvPr>
+          <p:cNvSpPr>
+            <a:spLocks noGrp="1"/>
+          </p:cNvSpPr>
+          <p:nvPr>
+            <p:ph type="title"/>
+          </p:nvPr>
+        </p:nvSpPr>
+        <p:spPr/>
+        <p:txBody>
+          <a:bodyPr/>
+          <a:lstStyle/>
+          <a:p>
+            <a:pPr algn="ctr"/>
+            <a:r>
+              <a:rPr lang="fr-FR" dirty="0"/>
+              <a:t>Modèle</a:t>
+            </a:r>
+          </a:p>
+        </p:txBody>
+      </p:sp>
+      <p:pic>
+        <p:nvPicPr>
+          <p:cNvPr id="7" name="Espace réservé du contenu 6">
+            <a:extLst>
+              <a:ext uri="{FF2B5EF4-FFF2-40B4-BE49-F238E27FC236}">
+                <a16:creationId xmlns:a16="http://schemas.microsoft.com/office/drawing/2014/main" id="{A0999909-0D8C-4D50-BF35-5D51E8F2BA4E}"/>
+              </a:ext>
+            </a:extLst>
+          </p:cNvPr>
+          <p:cNvPicPr>
+            <a:picLocks noGrp="1" noChangeAspect="1"/>
+          </p:cNvPicPr>
+          <p:nvPr>
+            <p:ph idx="1"/>
+          </p:nvPr>
+        </p:nvPicPr>
+        <p:blipFill>
+          <a:blip r:embed="rId2"/>
+          <a:stretch>
+            <a:fillRect/>
+          </a:stretch>
+        </p:blipFill>
+        <p:spPr>
+          <a:xfrm>
+            <a:off x="2919412" y="1872456"/>
+            <a:ext cx="6353175" cy="4257675"/>
+          </a:xfrm>
+          <a:prstGeom prst="rect">
+            <a:avLst/>
+          </a:prstGeom>
+        </p:spPr>
+      </p:pic>
+    </p:spTree>
+    <p:extLst>
+      <p:ext uri="{BB962C8B-B14F-4D97-AF65-F5344CB8AC3E}">
+        <p14:creationId xmlns:p14="http://schemas.microsoft.com/office/powerpoint/2010/main" val="1456844525"/>
+      </p:ext>
+    </p:extLst>
+  </p:cSld>
+  <p:clrMapOvr>
+    <a:masterClrMapping/>
+  </p:clrMapOvr>
+</p:sld>
+</file>
+
+<file path=ppt/slides/slide12.xml><?xml version="1.0" encoding="utf-8"?>
+<p:sld xmlns:a="http://schemas.openxmlformats.org/drawingml/2006/main" xmlns:r="http://schemas.openxmlformats.org/officeDocument/2006/relationships" xmlns:p="http://schemas.openxmlformats.org/presentationml/2006/main">
+  <p:cSld>
+    <p:spTree>
+      <p:nvGrpSpPr>
+        <p:cNvPr id="1" name=""/>
+        <p:cNvGrpSpPr/>
+        <p:nvPr/>
+      </p:nvGrpSpPr>
+      <p:grpSpPr>
+        <a:xfrm>
+          <a:off x="0" y="0"/>
+          <a:ext cx="0" cy="0"/>
+          <a:chOff x="0" y="0"/>
+          <a:chExt cx="0" cy="0"/>
+        </a:xfrm>
+      </p:grpSpPr>
+      <p:sp>
+        <p:nvSpPr>
+          <p:cNvPr id="2" name="Titre 1">
+            <a:extLst>
+              <a:ext uri="{FF2B5EF4-FFF2-40B4-BE49-F238E27FC236}">
+                <a16:creationId xmlns:a16="http://schemas.microsoft.com/office/drawing/2014/main" id="{23DE1E6E-424A-4D1B-96EC-6A5D08CE69ED}"/>
+              </a:ext>
+            </a:extLst>
+          </p:cNvPr>
+          <p:cNvSpPr>
+            <a:spLocks noGrp="1"/>
+          </p:cNvSpPr>
+          <p:nvPr>
+            <p:ph type="title"/>
+          </p:nvPr>
+        </p:nvSpPr>
+        <p:spPr/>
+        <p:txBody>
+          <a:bodyPr/>
+          <a:lstStyle/>
+          <a:p>
+            <a:pPr algn="ctr"/>
+            <a:r>
+              <a:rPr lang="fr-FR" dirty="0"/>
+              <a:t>Choix du modèle</a:t>
+            </a:r>
+          </a:p>
+        </p:txBody>
+      </p:sp>
+      <p:sp>
+        <p:nvSpPr>
+          <p:cNvPr id="3" name="Espace réservé du contenu 2">
+            <a:extLst>
+              <a:ext uri="{FF2B5EF4-FFF2-40B4-BE49-F238E27FC236}">
+                <a16:creationId xmlns:a16="http://schemas.microsoft.com/office/drawing/2014/main" id="{CCFE7217-8B70-4E25-B5EA-A0B34591DDD5}"/>
+              </a:ext>
+            </a:extLst>
+          </p:cNvPr>
+          <p:cNvSpPr>
+            <a:spLocks noGrp="1"/>
+          </p:cNvSpPr>
+          <p:nvPr>
+            <p:ph idx="1"/>
+          </p:nvPr>
+        </p:nvSpPr>
+        <p:spPr/>
+        <p:txBody>
+          <a:bodyPr/>
+          <a:lstStyle/>
+          <a:p>
+            <a:r>
+              <a:rPr lang="fr-FR" dirty="0"/>
+              <a:t>On peut remarquer que les scores des algorithmes présentent à peu près les mêmes scores.</a:t>
+            </a:r>
+          </a:p>
+          <a:p>
+            <a:r>
+              <a:rPr lang="fr-FR" dirty="0"/>
+              <a:t>On remarque comme même que le </a:t>
+            </a:r>
+            <a:r>
+              <a:rPr lang="fr-FR" dirty="0" err="1"/>
+              <a:t>random</a:t>
+            </a:r>
+            <a:r>
+              <a:rPr lang="fr-FR" dirty="0"/>
+              <a:t> </a:t>
+            </a:r>
+            <a:r>
+              <a:rPr lang="fr-FR" dirty="0" err="1"/>
+              <a:t>forest</a:t>
+            </a:r>
+            <a:r>
+              <a:rPr lang="fr-FR" dirty="0"/>
+              <a:t> et le </a:t>
+            </a:r>
+            <a:r>
+              <a:rPr lang="fr-FR" dirty="0" err="1"/>
+              <a:t>XGBoost</a:t>
+            </a:r>
+            <a:r>
+              <a:rPr lang="fr-FR" dirty="0"/>
+              <a:t> présente de meilleurs scores.</a:t>
+            </a:r>
+          </a:p>
+          <a:p>
+            <a:r>
+              <a:rPr lang="fr-FR" dirty="0"/>
+              <a:t>J’ai décidé de garder </a:t>
+            </a:r>
+            <a:r>
+              <a:rPr lang="fr-FR" dirty="0" err="1"/>
+              <a:t>XGBoost</a:t>
+            </a:r>
+            <a:r>
+              <a:rPr lang="fr-FR" dirty="0"/>
+              <a:t> car je pense qu’il y a moins d’</a:t>
+            </a:r>
+            <a:r>
+              <a:rPr lang="fr-FR" dirty="0" err="1"/>
+              <a:t>overfitting</a:t>
+            </a:r>
+            <a:r>
+              <a:rPr lang="fr-FR" dirty="0"/>
+              <a:t> que les autres algorithmes notamment grâce à l’hyperparamètre </a:t>
+            </a:r>
+            <a:r>
+              <a:rPr lang="fr-FR" dirty="0" err="1"/>
+              <a:t>eta</a:t>
+            </a:r>
+            <a:r>
+              <a:rPr lang="fr-FR" dirty="0"/>
+              <a:t> qui permet de prévenir l’</a:t>
+            </a:r>
+            <a:r>
+              <a:rPr lang="fr-FR" dirty="0" err="1"/>
+              <a:t>overfitting</a:t>
+            </a:r>
+            <a:r>
+              <a:rPr lang="fr-FR" dirty="0"/>
+              <a:t>. La précision des prédictions est de 97%</a:t>
+            </a:r>
+          </a:p>
+        </p:txBody>
+      </p:sp>
+    </p:spTree>
+    <p:extLst>
+      <p:ext uri="{BB962C8B-B14F-4D97-AF65-F5344CB8AC3E}">
+        <p14:creationId xmlns:p14="http://schemas.microsoft.com/office/powerpoint/2010/main" val="3981985714"/>
+      </p:ext>
+    </p:extLst>
+  </p:cSld>
+  <p:clrMapOvr>
+    <a:masterClrMapping/>
+  </p:clrMapOvr>
+</p:sld>
+</file>
+
+<file path=ppt/slides/slide13.xml><?xml version="1.0" encoding="utf-8"?>
+<p:sld xmlns:a="http://schemas.openxmlformats.org/drawingml/2006/main" xmlns:r="http://schemas.openxmlformats.org/officeDocument/2006/relationships" xmlns:p="http://schemas.openxmlformats.org/presentationml/2006/main">
+  <p:cSld>
+    <p:spTree>
+      <p:nvGrpSpPr>
+        <p:cNvPr id="1" name=""/>
+        <p:cNvGrpSpPr/>
+        <p:nvPr/>
+      </p:nvGrpSpPr>
+      <p:grpSpPr>
+        <a:xfrm>
+          <a:off x="0" y="0"/>
+          <a:ext cx="0" cy="0"/>
+          <a:chOff x="0" y="0"/>
+          <a:chExt cx="0" cy="0"/>
+        </a:xfrm>
+      </p:grpSpPr>
+      <p:sp>
+        <p:nvSpPr>
+          <p:cNvPr id="2" name="Titre 1">
+            <a:extLst>
+              <a:ext uri="{FF2B5EF4-FFF2-40B4-BE49-F238E27FC236}">
                 <a16:creationId xmlns:a16="http://schemas.microsoft.com/office/drawing/2014/main" id="{E68062BD-8118-4F0F-80CF-52DD5F556193}"/>
               </a:ext>
             </a:extLst>
@@ -3724,7 +3959,7 @@
 </p:sld>
 </file>
 
-<file path=ppt/slides/slide12.xml><?xml version="1.0" encoding="utf-8"?>
+<file path=ppt/slides/slide14.xml><?xml version="1.0" encoding="utf-8"?>
 <p:sld xmlns:a="http://schemas.openxmlformats.org/drawingml/2006/main" xmlns:r="http://schemas.openxmlformats.org/officeDocument/2006/relationships" xmlns:p="http://schemas.openxmlformats.org/presentationml/2006/main">
   <p:cSld>
     <p:spTree>
@@ -3815,7 +4050,7 @@
 </p:sld>
 </file>
 
-<file path=ppt/slides/slide13.xml><?xml version="1.0" encoding="utf-8"?>
+<file path=ppt/slides/slide15.xml><?xml version="1.0" encoding="utf-8"?>
 <p:sld xmlns:a="http://schemas.openxmlformats.org/drawingml/2006/main" xmlns:r="http://schemas.openxmlformats.org/officeDocument/2006/relationships" xmlns:p="http://schemas.openxmlformats.org/presentationml/2006/main">
   <p:cSld>
     <p:spTree>
@@ -3832,21 +4067,100 @@
           <a:chExt cx="0" cy="0"/>
         </a:xfrm>
       </p:grpSpPr>
+      <p:sp>
+        <p:nvSpPr>
+          <p:cNvPr id="6" name="ZoneTexte 5">
+            <a:extLst>
+              <a:ext uri="{FF2B5EF4-FFF2-40B4-BE49-F238E27FC236}">
+                <a16:creationId xmlns:a16="http://schemas.microsoft.com/office/drawing/2014/main" id="{6C7A9E76-82F5-4CAA-BD47-EE7324BFBAFA}"/>
+              </a:ext>
+            </a:extLst>
+          </p:cNvPr>
+          <p:cNvSpPr txBox="1"/>
+          <p:nvPr/>
+        </p:nvSpPr>
+        <p:spPr>
+          <a:xfrm>
+            <a:off x="955040" y="5618480"/>
+            <a:ext cx="10861040" cy="923330"/>
+          </a:xfrm>
+          <a:prstGeom prst="rect">
+            <a:avLst/>
+          </a:prstGeom>
+          <a:noFill/>
+        </p:spPr>
+        <p:txBody>
+          <a:bodyPr wrap="square" rtlCol="0">
+            <a:spAutoFit/>
+          </a:bodyPr>
+          <a:lstStyle/>
+          <a:p>
+            <a:pPr algn="just"/>
+            <a:r>
+              <a:rPr lang="fr-FR" b="1" dirty="0"/>
+              <a:t>Il faut donner un input sous forme JSON (exemple d’input dans ppgdalia.predictions.ml.tests.py</a:t>
+            </a:r>
+          </a:p>
+          <a:p>
+            <a:pPr algn="just"/>
+            <a:r>
+              <a:rPr lang="fr-FR" dirty="0"/>
+              <a:t>Donne tableau de probabilités d’appartenance à chaque classe : ici c’est l’activité 3 qui a la plus haute proba ce qui correspond à la classe que nous devions obtenir.</a:t>
+            </a:r>
+          </a:p>
+        </p:txBody>
+      </p:sp>
+      <p:sp>
+        <p:nvSpPr>
+          <p:cNvPr id="7" name="ZoneTexte 6">
+            <a:extLst>
+              <a:ext uri="{FF2B5EF4-FFF2-40B4-BE49-F238E27FC236}">
+                <a16:creationId xmlns:a16="http://schemas.microsoft.com/office/drawing/2014/main" id="{1CB02D88-F962-40D8-936F-9D8E736C7CA3}"/>
+              </a:ext>
+            </a:extLst>
+          </p:cNvPr>
+          <p:cNvSpPr txBox="1"/>
+          <p:nvPr/>
+        </p:nvSpPr>
+        <p:spPr>
+          <a:xfrm>
+            <a:off x="2275840" y="558800"/>
+            <a:ext cx="7589520" cy="769441"/>
+          </a:xfrm>
+          <a:prstGeom prst="rect">
+            <a:avLst/>
+          </a:prstGeom>
+          <a:noFill/>
+        </p:spPr>
+        <p:txBody>
+          <a:bodyPr wrap="square" rtlCol="0">
+            <a:spAutoFit/>
+          </a:bodyPr>
+          <a:lstStyle/>
+          <a:p>
+            <a:pPr algn="ctr"/>
+            <a:r>
+              <a:rPr lang="fr-FR" sz="4400" dirty="0">
+                <a:latin typeface="+mj-lt"/>
+              </a:rPr>
+              <a:t>DJANGO API (3)</a:t>
+            </a:r>
+          </a:p>
+        </p:txBody>
+      </p:sp>
       <p:pic>
         <p:nvPicPr>
-          <p:cNvPr id="4" name="Espace réservé du contenu 3">
-            <a:extLst>
-              <a:ext uri="{FF2B5EF4-FFF2-40B4-BE49-F238E27FC236}">
-                <a16:creationId xmlns:a16="http://schemas.microsoft.com/office/drawing/2014/main" id="{F3F12ED7-BAB9-4EC5-A6F7-E353E14FA98B}"/>
+          <p:cNvPr id="8" name="Image 7">
+            <a:extLst>
+              <a:ext uri="{FF2B5EF4-FFF2-40B4-BE49-F238E27FC236}">
+                <a16:creationId xmlns:a16="http://schemas.microsoft.com/office/drawing/2014/main" id="{F02B05AB-31DA-4734-9C3A-C4E2223315C7}"/>
               </a:ext>
             </a:extLst>
           </p:cNvPr>
           <p:cNvPicPr>
-            <a:picLocks noGrp="1" noChangeAspect="1"/>
+            <a:picLocks noChangeAspect="1"/>
           </p:cNvPicPr>
-          <p:nvPr>
-            <p:ph idx="1"/>
-          </p:nvPr>
+          <p:nvPr/>
         </p:nvPicPr>
         <p:blipFill>
           <a:blip r:embed="rId2"/>
@@ -3856,8 +4170,8 @@
         </p:blipFill>
         <p:spPr>
           <a:xfrm>
-            <a:off x="577812" y="1706880"/>
-            <a:ext cx="8446252" cy="3667760"/>
+            <a:off x="487680" y="1614170"/>
+            <a:ext cx="7351129" cy="3897630"/>
           </a:xfrm>
           <a:prstGeom prst="rect">
             <a:avLst/>
@@ -3866,10 +4180,10 @@
       </p:pic>
       <p:pic>
         <p:nvPicPr>
-          <p:cNvPr id="5" name="Image 4">
-            <a:extLst>
-              <a:ext uri="{FF2B5EF4-FFF2-40B4-BE49-F238E27FC236}">
-                <a16:creationId xmlns:a16="http://schemas.microsoft.com/office/drawing/2014/main" id="{79127C13-1978-4367-BEC9-E2D807D5EFC1}"/>
+          <p:cNvPr id="9" name="Image 8">
+            <a:extLst>
+              <a:ext uri="{FF2B5EF4-FFF2-40B4-BE49-F238E27FC236}">
+                <a16:creationId xmlns:a16="http://schemas.microsoft.com/office/drawing/2014/main" id="{98E53CF6-0FFB-4B1C-A229-DCAC8CDBEEE7}"/>
               </a:ext>
             </a:extLst>
           </p:cNvPr>
@@ -3886,87 +4200,14 @@
         </p:blipFill>
         <p:spPr>
           <a:xfrm>
-            <a:off x="9007313" y="1881664"/>
-            <a:ext cx="2620159" cy="3523456"/>
+            <a:off x="8279363" y="1500505"/>
+            <a:ext cx="2928154" cy="4006215"/>
           </a:xfrm>
           <a:prstGeom prst="rect">
             <a:avLst/>
           </a:prstGeom>
         </p:spPr>
       </p:pic>
-      <p:sp>
-        <p:nvSpPr>
-          <p:cNvPr id="6" name="ZoneTexte 5">
-            <a:extLst>
-              <a:ext uri="{FF2B5EF4-FFF2-40B4-BE49-F238E27FC236}">
-                <a16:creationId xmlns:a16="http://schemas.microsoft.com/office/drawing/2014/main" id="{6C7A9E76-82F5-4CAA-BD47-EE7324BFBAFA}"/>
-              </a:ext>
-            </a:extLst>
-          </p:cNvPr>
-          <p:cNvSpPr txBox="1"/>
-          <p:nvPr/>
-        </p:nvSpPr>
-        <p:spPr>
-          <a:xfrm>
-            <a:off x="2550160" y="5618480"/>
-            <a:ext cx="7193280" cy="646331"/>
-          </a:xfrm>
-          <a:prstGeom prst="rect">
-            <a:avLst/>
-          </a:prstGeom>
-          <a:noFill/>
-        </p:spPr>
-        <p:txBody>
-          <a:bodyPr wrap="square" rtlCol="0">
-            <a:spAutoFit/>
-          </a:bodyPr>
-          <a:lstStyle/>
-          <a:p>
-            <a:r>
-              <a:rPr lang="fr-FR" dirty="0"/>
-              <a:t>Donne tableau de probabilités d’appartenance à chaque classe : ici c’est l’activité 3 qui a la plus haute proba</a:t>
-            </a:r>
-          </a:p>
-        </p:txBody>
-      </p:sp>
-      <p:sp>
-        <p:nvSpPr>
-          <p:cNvPr id="7" name="ZoneTexte 6">
-            <a:extLst>
-              <a:ext uri="{FF2B5EF4-FFF2-40B4-BE49-F238E27FC236}">
-                <a16:creationId xmlns:a16="http://schemas.microsoft.com/office/drawing/2014/main" id="{1CB02D88-F962-40D8-936F-9D8E736C7CA3}"/>
-              </a:ext>
-            </a:extLst>
-          </p:cNvPr>
-          <p:cNvSpPr txBox="1"/>
-          <p:nvPr/>
-        </p:nvSpPr>
-        <p:spPr>
-          <a:xfrm>
-            <a:off x="2275840" y="558800"/>
-            <a:ext cx="7589520" cy="769441"/>
-          </a:xfrm>
-          <a:prstGeom prst="rect">
-            <a:avLst/>
-          </a:prstGeom>
-          <a:noFill/>
-        </p:spPr>
-        <p:txBody>
-          <a:bodyPr wrap="square" rtlCol="0">
-            <a:spAutoFit/>
-          </a:bodyPr>
-          <a:lstStyle/>
-          <a:p>
-            <a:pPr algn="ctr"/>
-            <a:r>
-              <a:rPr lang="fr-FR" sz="4400" dirty="0">
-                <a:latin typeface="+mj-lt"/>
-              </a:rPr>
-              <a:t>DJANGO API (3)</a:t>
-            </a:r>
-          </a:p>
-        </p:txBody>
-      </p:sp>
     </p:spTree>
     <p:extLst>
       <p:ext uri="{BB962C8B-B14F-4D97-AF65-F5344CB8AC3E}">
@@ -5004,7 +5245,7 @@
           <p:cNvPr id="2" name="Titre 1">
             <a:extLst>
               <a:ext uri="{FF2B5EF4-FFF2-40B4-BE49-F238E27FC236}">
-                <a16:creationId xmlns:a16="http://schemas.microsoft.com/office/drawing/2014/main" id="{E072BC46-FDC1-4FF7-9FF1-477D038570EE}"/>
+                <a16:creationId xmlns:a16="http://schemas.microsoft.com/office/drawing/2014/main" id="{6A580E6C-5A9A-4AD4-82E6-23E21490349E}"/>
               </a:ext>
             </a:extLst>
           </p:cNvPr>
@@ -5023,7 +5264,15 @@
             <a:pPr algn="ctr"/>
             <a:r>
               <a:rPr lang="fr-FR" dirty="0"/>
-              <a:t>Modèle</a:t>
+              <a:t>Suppression de variables (1) : corrélation entre la </a:t>
+            </a:r>
+            <a:r>
+              <a:rPr lang="fr-FR" dirty="0" err="1"/>
+              <a:t>target</a:t>
+            </a:r>
+            <a:r>
+              <a:rPr lang="fr-FR" dirty="0"/>
+              <a:t> et les variables explicatives</a:t>
             </a:r>
           </a:p>
         </p:txBody>
@@ -5033,7 +5282,7 @@
           <p:cNvPr id="4" name="Espace réservé du contenu 3">
             <a:extLst>
               <a:ext uri="{FF2B5EF4-FFF2-40B4-BE49-F238E27FC236}">
-                <a16:creationId xmlns:a16="http://schemas.microsoft.com/office/drawing/2014/main" id="{46996202-B5AF-496F-AFAE-FD6DD86EC1A9}"/>
+                <a16:creationId xmlns:a16="http://schemas.microsoft.com/office/drawing/2014/main" id="{D66999D7-2A12-4494-9408-965C1640E516}"/>
               </a:ext>
             </a:extLst>
           </p:cNvPr>
@@ -5052,8 +5301,8 @@
         </p:blipFill>
         <p:spPr>
           <a:xfrm>
-            <a:off x="3076575" y="1967706"/>
-            <a:ext cx="6038850" cy="4067175"/>
+            <a:off x="3579763" y="1825625"/>
+            <a:ext cx="5032474" cy="4351338"/>
           </a:xfrm>
           <a:prstGeom prst="rect">
             <a:avLst/>
@@ -5063,7 +5312,7 @@
     </p:spTree>
     <p:extLst>
       <p:ext uri="{BB962C8B-B14F-4D97-AF65-F5344CB8AC3E}">
-        <p14:creationId xmlns:p14="http://schemas.microsoft.com/office/powerpoint/2010/main" val="1456844525"/>
+        <p14:creationId xmlns:p14="http://schemas.microsoft.com/office/powerpoint/2010/main" val="150136196"/>
       </p:ext>
     </p:extLst>
   </p:cSld>

--- a/Presentation_Projet.pptx
+++ b/Presentation_Projet.pptx
@@ -18,8 +18,7 @@
     <p:sldId id="264" r:id="rId12"/>
     <p:sldId id="265" r:id="rId13"/>
     <p:sldId id="266" r:id="rId14"/>
-    <p:sldId id="268" r:id="rId15"/>
-    <p:sldId id="269" r:id="rId16"/>
+    <p:sldId id="269" r:id="rId15"/>
   </p:sldIdLst>
   <p:sldSz cx="12192000" cy="6858000"/>
   <p:notesSz cx="6858000" cy="9144000"/>
@@ -273,7 +272,7 @@
           <a:p>
             <a:fld id="{10CEB8A6-3CEB-4EA2-A290-C18E56D5C034}" type="datetimeFigureOut">
               <a:rPr lang="fr-FR" smtClean="0"/>
-              <a:t>28/01/2020</a:t>
+              <a:t>31/01/2020</a:t>
             </a:fld>
             <a:endParaRPr lang="fr-FR"/>
           </a:p>
@@ -471,7 +470,7 @@
           <a:p>
             <a:fld id="{10CEB8A6-3CEB-4EA2-A290-C18E56D5C034}" type="datetimeFigureOut">
               <a:rPr lang="fr-FR" smtClean="0"/>
-              <a:t>28/01/2020</a:t>
+              <a:t>31/01/2020</a:t>
             </a:fld>
             <a:endParaRPr lang="fr-FR"/>
           </a:p>
@@ -679,7 +678,7 @@
           <a:p>
             <a:fld id="{10CEB8A6-3CEB-4EA2-A290-C18E56D5C034}" type="datetimeFigureOut">
               <a:rPr lang="fr-FR" smtClean="0"/>
-              <a:t>28/01/2020</a:t>
+              <a:t>31/01/2020</a:t>
             </a:fld>
             <a:endParaRPr lang="fr-FR"/>
           </a:p>
@@ -877,7 +876,7 @@
           <a:p>
             <a:fld id="{10CEB8A6-3CEB-4EA2-A290-C18E56D5C034}" type="datetimeFigureOut">
               <a:rPr lang="fr-FR" smtClean="0"/>
-              <a:t>28/01/2020</a:t>
+              <a:t>31/01/2020</a:t>
             </a:fld>
             <a:endParaRPr lang="fr-FR"/>
           </a:p>
@@ -1152,7 +1151,7 @@
           <a:p>
             <a:fld id="{10CEB8A6-3CEB-4EA2-A290-C18E56D5C034}" type="datetimeFigureOut">
               <a:rPr lang="fr-FR" smtClean="0"/>
-              <a:t>28/01/2020</a:t>
+              <a:t>31/01/2020</a:t>
             </a:fld>
             <a:endParaRPr lang="fr-FR"/>
           </a:p>
@@ -1417,7 +1416,7 @@
           <a:p>
             <a:fld id="{10CEB8A6-3CEB-4EA2-A290-C18E56D5C034}" type="datetimeFigureOut">
               <a:rPr lang="fr-FR" smtClean="0"/>
-              <a:t>28/01/2020</a:t>
+              <a:t>31/01/2020</a:t>
             </a:fld>
             <a:endParaRPr lang="fr-FR"/>
           </a:p>
@@ -1829,7 +1828,7 @@
           <a:p>
             <a:fld id="{10CEB8A6-3CEB-4EA2-A290-C18E56D5C034}" type="datetimeFigureOut">
               <a:rPr lang="fr-FR" smtClean="0"/>
-              <a:t>28/01/2020</a:t>
+              <a:t>31/01/2020</a:t>
             </a:fld>
             <a:endParaRPr lang="fr-FR"/>
           </a:p>
@@ -1970,7 +1969,7 @@
           <a:p>
             <a:fld id="{10CEB8A6-3CEB-4EA2-A290-C18E56D5C034}" type="datetimeFigureOut">
               <a:rPr lang="fr-FR" smtClean="0"/>
-              <a:t>28/01/2020</a:t>
+              <a:t>31/01/2020</a:t>
             </a:fld>
             <a:endParaRPr lang="fr-FR"/>
           </a:p>
@@ -2083,7 +2082,7 @@
           <a:p>
             <a:fld id="{10CEB8A6-3CEB-4EA2-A290-C18E56D5C034}" type="datetimeFigureOut">
               <a:rPr lang="fr-FR" smtClean="0"/>
-              <a:t>28/01/2020</a:t>
+              <a:t>31/01/2020</a:t>
             </a:fld>
             <a:endParaRPr lang="fr-FR"/>
           </a:p>
@@ -2394,7 +2393,7 @@
           <a:p>
             <a:fld id="{10CEB8A6-3CEB-4EA2-A290-C18E56D5C034}" type="datetimeFigureOut">
               <a:rPr lang="fr-FR" smtClean="0"/>
-              <a:t>28/01/2020</a:t>
+              <a:t>31/01/2020</a:t>
             </a:fld>
             <a:endParaRPr lang="fr-FR"/>
           </a:p>
@@ -2682,7 +2681,7 @@
           <a:p>
             <a:fld id="{10CEB8A6-3CEB-4EA2-A290-C18E56D5C034}" type="datetimeFigureOut">
               <a:rPr lang="fr-FR" smtClean="0"/>
-              <a:t>28/01/2020</a:t>
+              <a:t>31/01/2020</a:t>
             </a:fld>
             <a:endParaRPr lang="fr-FR"/>
           </a:p>
@@ -2923,7 +2922,7 @@
           <a:p>
             <a:fld id="{10CEB8A6-3CEB-4EA2-A290-C18E56D5C034}" type="datetimeFigureOut">
               <a:rPr lang="fr-FR" smtClean="0"/>
-              <a:t>28/01/2020</a:t>
+              <a:t>31/01/2020</a:t>
             </a:fld>
             <a:endParaRPr lang="fr-FR"/>
           </a:p>
@@ -3978,111 +3977,20 @@
       </p:grpSpPr>
       <p:sp>
         <p:nvSpPr>
-          <p:cNvPr id="2" name="Titre 1">
-            <a:extLst>
-              <a:ext uri="{FF2B5EF4-FFF2-40B4-BE49-F238E27FC236}">
-                <a16:creationId xmlns:a16="http://schemas.microsoft.com/office/drawing/2014/main" id="{5A565723-0FD3-4BA3-95DC-9F04EFEB93D9}"/>
-              </a:ext>
-            </a:extLst>
-          </p:cNvPr>
-          <p:cNvSpPr>
-            <a:spLocks noGrp="1"/>
-          </p:cNvSpPr>
-          <p:nvPr>
-            <p:ph type="title"/>
-          </p:nvPr>
-        </p:nvSpPr>
-        <p:spPr/>
-        <p:txBody>
-          <a:bodyPr/>
-          <a:lstStyle/>
-          <a:p>
-            <a:pPr algn="ctr"/>
-            <a:r>
-              <a:rPr lang="fr-FR" dirty="0"/>
-              <a:t>Django API (2)</a:t>
-            </a:r>
-          </a:p>
-        </p:txBody>
-      </p:sp>
-      <p:pic>
-        <p:nvPicPr>
-          <p:cNvPr id="4" name="Espace réservé du contenu 3">
-            <a:extLst>
-              <a:ext uri="{FF2B5EF4-FFF2-40B4-BE49-F238E27FC236}">
-                <a16:creationId xmlns:a16="http://schemas.microsoft.com/office/drawing/2014/main" id="{1637DA3F-E22D-45BB-A2F6-822727B48497}"/>
-              </a:ext>
-            </a:extLst>
-          </p:cNvPr>
-          <p:cNvPicPr>
-            <a:picLocks noGrp="1" noChangeAspect="1"/>
-          </p:cNvPicPr>
-          <p:nvPr>
-            <p:ph idx="1"/>
-          </p:nvPr>
-        </p:nvPicPr>
-        <p:blipFill>
-          <a:blip r:embed="rId2"/>
-          <a:stretch>
-            <a:fillRect/>
-          </a:stretch>
-        </p:blipFill>
+          <p:cNvPr id="6" name="ZoneTexte 5">
+            <a:extLst>
+              <a:ext uri="{FF2B5EF4-FFF2-40B4-BE49-F238E27FC236}">
+                <a16:creationId xmlns:a16="http://schemas.microsoft.com/office/drawing/2014/main" id="{6C7A9E76-82F5-4CAA-BD47-EE7324BFBAFA}"/>
+              </a:ext>
+            </a:extLst>
+          </p:cNvPr>
+          <p:cNvSpPr txBox="1"/>
+          <p:nvPr/>
+        </p:nvSpPr>
         <p:spPr>
           <a:xfrm>
-            <a:off x="1957837" y="1442720"/>
-            <a:ext cx="8951339" cy="4764723"/>
-          </a:xfrm>
-          <a:prstGeom prst="rect">
-            <a:avLst/>
-          </a:prstGeom>
-        </p:spPr>
-      </p:pic>
-    </p:spTree>
-    <p:extLst>
-      <p:ext uri="{BB962C8B-B14F-4D97-AF65-F5344CB8AC3E}">
-        <p14:creationId xmlns:p14="http://schemas.microsoft.com/office/powerpoint/2010/main" val="215721221"/>
-      </p:ext>
-    </p:extLst>
-  </p:cSld>
-  <p:clrMapOvr>
-    <a:masterClrMapping/>
-  </p:clrMapOvr>
-</p:sld>
-</file>
-
-<file path=ppt/slides/slide15.xml><?xml version="1.0" encoding="utf-8"?>
-<p:sld xmlns:a="http://schemas.openxmlformats.org/drawingml/2006/main" xmlns:r="http://schemas.openxmlformats.org/officeDocument/2006/relationships" xmlns:p="http://schemas.openxmlformats.org/presentationml/2006/main">
-  <p:cSld>
-    <p:spTree>
-      <p:nvGrpSpPr>
-        <p:cNvPr id="1" name=""/>
-        <p:cNvGrpSpPr/>
-        <p:nvPr/>
-      </p:nvGrpSpPr>
-      <p:grpSpPr>
-        <a:xfrm>
-          <a:off x="0" y="0"/>
-          <a:ext cx="0" cy="0"/>
-          <a:chOff x="0" y="0"/>
-          <a:chExt cx="0" cy="0"/>
-        </a:xfrm>
-      </p:grpSpPr>
-      <p:sp>
-        <p:nvSpPr>
-          <p:cNvPr id="6" name="ZoneTexte 5">
-            <a:extLst>
-              <a:ext uri="{FF2B5EF4-FFF2-40B4-BE49-F238E27FC236}">
-                <a16:creationId xmlns:a16="http://schemas.microsoft.com/office/drawing/2014/main" id="{6C7A9E76-82F5-4CAA-BD47-EE7324BFBAFA}"/>
-              </a:ext>
-            </a:extLst>
-          </p:cNvPr>
-          <p:cNvSpPr txBox="1"/>
-          <p:nvPr/>
-        </p:nvSpPr>
-        <p:spPr>
-          <a:xfrm>
-            <a:off x="955040" y="5618480"/>
-            <a:ext cx="10861040" cy="923330"/>
+            <a:off x="955040" y="5567680"/>
+            <a:ext cx="10861040" cy="1200329"/>
           </a:xfrm>
           <a:prstGeom prst="rect">
             <a:avLst/>
@@ -4098,7 +4006,23 @@
             <a:pPr algn="just"/>
             <a:r>
               <a:rPr lang="fr-FR" b="1" dirty="0"/>
-              <a:t>Il faut donner un input sous forme JSON (exemple d’input dans ppgdalia.predictions.ml.tests.py</a:t>
+              <a:t>Il faut donner un input sous forme JSON (exemple d’input dans ppgdalia.predictions.machine_learningl.test.txt (</a:t>
+            </a:r>
+            <a:r>
+              <a:rPr lang="fr-FR" b="1" dirty="0" err="1"/>
+              <a:t>target</a:t>
+            </a:r>
+            <a:r>
+              <a:rPr lang="fr-FR" b="1" dirty="0"/>
+              <a:t> </a:t>
+            </a:r>
+            <a:r>
+              <a:rPr lang="fr-FR" b="1" dirty="0" err="1"/>
+              <a:t>expected</a:t>
+            </a:r>
+            <a:r>
+              <a:rPr lang="fr-FR" b="1" dirty="0"/>
+              <a:t> : activité 3)</a:t>
             </a:r>
           </a:p>
           <a:p>
@@ -4143,7 +4067,7 @@
               <a:rPr lang="fr-FR" sz="4400" dirty="0">
                 <a:latin typeface="+mj-lt"/>
               </a:rPr>
-              <a:t>DJANGO API (3)</a:t>
+              <a:t>DJANGO API (2)</a:t>
             </a:r>
           </a:p>
         </p:txBody>
